--- a/可视化编程.pptx
+++ b/可视化编程.pptx
@@ -142,6 +142,10 @@
     </p:ext>
   </p:extLst>
 </p:presentation>
+</file>
+
+<file path=ppt/revisionInfo.xml><?xml version="1.0" encoding="utf-8"?>
+<p1510:revInfo xmlns:a="http://schemas.openxmlformats.org/drawingml/2006/main" xmlns:r="http://schemas.openxmlformats.org/officeDocument/2006/relationships" xmlns:p1510="http://schemas.microsoft.com/office/powerpoint/2015/10/main"/>
 </file>
 
 <file path=ppt/notesMasters/notesMaster1.xml><?xml version="1.0" encoding="utf-8"?>
@@ -7125,7 +7129,7 @@
         <p:spPr>
           <a:xfrm>
             <a:off x="1745624" y="4635155"/>
-            <a:ext cx="1577676" cy="369332"/>
+            <a:ext cx="1451038" cy="369332"/>
           </a:xfrm>
           <a:prstGeom prst="rect">
             <a:avLst/>
@@ -7139,26 +7143,11 @@
           <a:p>
             <a:r>
               <a:rPr lang="en-US" altLang="zh-CN" i="1" dirty="0">
-                <a:solidFill>
-                  <a:srgbClr val="66D9EF"/>
-                </a:solidFill>
                 <a:latin typeface="Consolas" panose="020B0609020204030204" pitchFamily="49" charset="0"/>
               </a:rPr>
               <a:t>blockly.js</a:t>
             </a:r>
-            <a:r>
-              <a:rPr lang="en-US" altLang="zh-CN" dirty="0">
-                <a:solidFill>
-                  <a:srgbClr val="F8F8F2"/>
-                </a:solidFill>
-                <a:latin typeface="Consolas" panose="020B0609020204030204" pitchFamily="49" charset="0"/>
-              </a:rPr>
-              <a:t>)</a:t>
-            </a:r>
             <a:endParaRPr lang="en-US" altLang="zh-CN" b="0" dirty="0">
-              <a:solidFill>
-                <a:srgbClr val="F8F8F2"/>
-              </a:solidFill>
               <a:effectLst/>
               <a:latin typeface="Consolas" panose="020B0609020204030204" pitchFamily="49" charset="0"/>
             </a:endParaRPr>
@@ -7194,26 +7183,17 @@
           <a:p>
             <a:r>
               <a:rPr lang="en-US" altLang="zh-CN" i="1" dirty="0">
-                <a:solidFill>
-                  <a:srgbClr val="66D9EF"/>
-                </a:solidFill>
                 <a:latin typeface="Consolas" panose="020B0609020204030204" pitchFamily="49" charset="0"/>
               </a:rPr>
               <a:t>lib.js</a:t>
             </a:r>
             <a:r>
               <a:rPr lang="en-US" altLang="zh-CN" dirty="0">
-                <a:solidFill>
-                  <a:srgbClr val="F8F8F2"/>
-                </a:solidFill>
                 <a:latin typeface="Consolas" panose="020B0609020204030204" pitchFamily="49" charset="0"/>
               </a:rPr>
               <a:t>)</a:t>
             </a:r>
             <a:endParaRPr lang="en-US" altLang="zh-CN" b="0" dirty="0">
-              <a:solidFill>
-                <a:srgbClr val="F8F8F2"/>
-              </a:solidFill>
               <a:effectLst/>
               <a:latin typeface="Consolas" panose="020B0609020204030204" pitchFamily="49" charset="0"/>
             </a:endParaRPr>
@@ -8400,148 +8380,6 @@
       </p:sp>
       <p:sp>
         <p:nvSpPr>
-          <p:cNvPr id="19" name="矩形 18">
-            <a:extLst>
-              <a:ext uri="{FF2B5EF4-FFF2-40B4-BE49-F238E27FC236}">
-                <a16:creationId xmlns:a16="http://schemas.microsoft.com/office/drawing/2014/main" id="{DF18016C-94A3-48D0-84F0-FA1FD74CB834}"/>
-              </a:ext>
-            </a:extLst>
-          </p:cNvPr>
-          <p:cNvSpPr/>
-          <p:nvPr/>
-        </p:nvSpPr>
-        <p:spPr>
-          <a:xfrm>
-            <a:off x="3569369" y="2463736"/>
-            <a:ext cx="2149642" cy="802105"/>
-          </a:xfrm>
-          <a:prstGeom prst="rect">
-            <a:avLst/>
-          </a:prstGeom>
-        </p:spPr>
-        <p:style>
-          <a:lnRef idx="2">
-            <a:schemeClr val="accent1">
-              <a:shade val="50000"/>
-            </a:schemeClr>
-          </a:lnRef>
-          <a:fillRef idx="1">
-            <a:schemeClr val="accent1"/>
-          </a:fillRef>
-          <a:effectRef idx="0">
-            <a:schemeClr val="accent1"/>
-          </a:effectRef>
-          <a:fontRef idx="minor">
-            <a:schemeClr val="lt1"/>
-          </a:fontRef>
-        </p:style>
-        <p:txBody>
-          <a:bodyPr rtlCol="0" anchor="ctr"/>
-          <a:lstStyle/>
-          <a:p>
-            <a:pPr algn="ctr"/>
-            <a:r>
-              <a:rPr lang="en-US" altLang="zh-CN" dirty="0"/>
-              <a:t>xcube</a:t>
-            </a:r>
-            <a:endParaRPr lang="zh-CN" altLang="en-US" dirty="0"/>
-          </a:p>
-        </p:txBody>
-      </p:sp>
-      <p:sp>
-        <p:nvSpPr>
-          <p:cNvPr id="20" name="箭头: 右 19">
-            <a:extLst>
-              <a:ext uri="{FF2B5EF4-FFF2-40B4-BE49-F238E27FC236}">
-                <a16:creationId xmlns:a16="http://schemas.microsoft.com/office/drawing/2014/main" id="{05E26266-8E54-4FAD-88F9-1D8F777EF005}"/>
-              </a:ext>
-            </a:extLst>
-          </p:cNvPr>
-          <p:cNvSpPr/>
-          <p:nvPr/>
-        </p:nvSpPr>
-        <p:spPr>
-          <a:xfrm>
-            <a:off x="2538664" y="2708377"/>
-            <a:ext cx="762000" cy="312821"/>
-          </a:xfrm>
-          <a:prstGeom prst="rightArrow">
-            <a:avLst/>
-          </a:prstGeom>
-        </p:spPr>
-        <p:style>
-          <a:lnRef idx="2">
-            <a:schemeClr val="accent1">
-              <a:shade val="50000"/>
-            </a:schemeClr>
-          </a:lnRef>
-          <a:fillRef idx="1">
-            <a:schemeClr val="accent1"/>
-          </a:fillRef>
-          <a:effectRef idx="0">
-            <a:schemeClr val="accent1"/>
-          </a:effectRef>
-          <a:fontRef idx="minor">
-            <a:schemeClr val="lt1"/>
-          </a:fontRef>
-        </p:style>
-        <p:txBody>
-          <a:bodyPr rtlCol="0" anchor="ctr"/>
-          <a:lstStyle/>
-          <a:p>
-            <a:pPr algn="ctr"/>
-            <a:endParaRPr lang="zh-CN" altLang="en-US"/>
-          </a:p>
-        </p:txBody>
-      </p:sp>
-      <p:sp>
-        <p:nvSpPr>
-          <p:cNvPr id="21" name="箭头: 右 20">
-            <a:extLst>
-              <a:ext uri="{FF2B5EF4-FFF2-40B4-BE49-F238E27FC236}">
-                <a16:creationId xmlns:a16="http://schemas.microsoft.com/office/drawing/2014/main" id="{61870657-9455-4472-B2DA-86E80BB376BD}"/>
-              </a:ext>
-            </a:extLst>
-          </p:cNvPr>
-          <p:cNvSpPr/>
-          <p:nvPr/>
-        </p:nvSpPr>
-        <p:spPr>
-          <a:xfrm>
-            <a:off x="6096000" y="2708377"/>
-            <a:ext cx="762000" cy="312821"/>
-          </a:xfrm>
-          <a:prstGeom prst="rightArrow">
-            <a:avLst/>
-          </a:prstGeom>
-        </p:spPr>
-        <p:style>
-          <a:lnRef idx="2">
-            <a:schemeClr val="accent1">
-              <a:shade val="50000"/>
-            </a:schemeClr>
-          </a:lnRef>
-          <a:fillRef idx="1">
-            <a:schemeClr val="accent1"/>
-          </a:fillRef>
-          <a:effectRef idx="0">
-            <a:schemeClr val="accent1"/>
-          </a:effectRef>
-          <a:fontRef idx="minor">
-            <a:schemeClr val="lt1"/>
-          </a:fontRef>
-        </p:style>
-        <p:txBody>
-          <a:bodyPr rtlCol="0" anchor="ctr"/>
-          <a:lstStyle/>
-          <a:p>
-            <a:pPr algn="ctr"/>
-            <a:endParaRPr lang="zh-CN" altLang="en-US"/>
-          </a:p>
-        </p:txBody>
-      </p:sp>
-      <p:sp>
-        <p:nvSpPr>
           <p:cNvPr id="22" name="文本框 21">
             <a:extLst>
               <a:ext uri="{FF2B5EF4-FFF2-40B4-BE49-F238E27FC236}">
@@ -8591,7 +8429,7 @@
         <p:spPr>
           <a:xfrm>
             <a:off x="7680157" y="2976538"/>
-            <a:ext cx="3946358" cy="369332"/>
+            <a:ext cx="851447" cy="369332"/>
           </a:xfrm>
           <a:prstGeom prst="rect">
             <a:avLst/>
@@ -8614,10 +8452,46 @@
       </p:sp>
       <p:sp>
         <p:nvSpPr>
-          <p:cNvPr id="24" name="箭头: 右 23">
+          <p:cNvPr id="25" name="文本框 24">
             <a:extLst>
               <a:ext uri="{FF2B5EF4-FFF2-40B4-BE49-F238E27FC236}">
-                <a16:creationId xmlns:a16="http://schemas.microsoft.com/office/drawing/2014/main" id="{03566AB7-8A9D-4990-A2DE-B92E5B598B0E}"/>
+                <a16:creationId xmlns:a16="http://schemas.microsoft.com/office/drawing/2014/main" id="{4C0A1B69-C252-4D9E-8CD9-26D17F8247C4}"/>
+              </a:ext>
+            </a:extLst>
+          </p:cNvPr>
+          <p:cNvSpPr txBox="1"/>
+          <p:nvPr/>
+        </p:nvSpPr>
+        <p:spPr>
+          <a:xfrm>
+            <a:off x="7680157" y="4139591"/>
+            <a:ext cx="910170" cy="369332"/>
+          </a:xfrm>
+          <a:prstGeom prst="rect">
+            <a:avLst/>
+          </a:prstGeom>
+          <a:noFill/>
+        </p:spPr>
+        <p:txBody>
+          <a:bodyPr wrap="square" rtlCol="0">
+            <a:spAutoFit/>
+          </a:bodyPr>
+          <a:lstStyle/>
+          <a:p>
+            <a:r>
+              <a:rPr lang="en-US" altLang="zh-CN" dirty="0"/>
+              <a:t>CDN</a:t>
+            </a:r>
+            <a:endParaRPr lang="zh-CN" altLang="en-US" dirty="0"/>
+          </a:p>
+        </p:txBody>
+      </p:sp>
+      <p:sp>
+        <p:nvSpPr>
+          <p:cNvPr id="2" name="箭头: 右 1">
+            <a:extLst>
+              <a:ext uri="{FF2B5EF4-FFF2-40B4-BE49-F238E27FC236}">
+                <a16:creationId xmlns:a16="http://schemas.microsoft.com/office/drawing/2014/main" id="{B7B32532-8BD3-4707-AD74-135D9B6D562D}"/>
               </a:ext>
             </a:extLst>
           </p:cNvPr>
@@ -8626,8 +8500,8 @@
         </p:nvSpPr>
         <p:spPr>
           <a:xfrm>
-            <a:off x="4263190" y="4196102"/>
-            <a:ext cx="762000" cy="312821"/>
+            <a:off x="3003259" y="2558642"/>
+            <a:ext cx="4320330" cy="602562"/>
           </a:xfrm>
           <a:prstGeom prst="rightArrow">
             <a:avLst/>
@@ -8654,41 +8528,71 @@
           <a:lstStyle/>
           <a:p>
             <a:pPr algn="ctr"/>
-            <a:endParaRPr lang="zh-CN" altLang="en-US"/>
+            <a:r>
+              <a:rPr lang="en-US" altLang="zh-CN" dirty="0" err="1"/>
+              <a:t>xcube</a:t>
+            </a:r>
+            <a:endParaRPr lang="zh-CN" altLang="en-US" dirty="0"/>
           </a:p>
         </p:txBody>
       </p:sp>
       <p:sp>
         <p:nvSpPr>
-          <p:cNvPr id="25" name="文本框 24">
+          <p:cNvPr id="18" name="箭头: 右 17">
             <a:extLst>
               <a:ext uri="{FF2B5EF4-FFF2-40B4-BE49-F238E27FC236}">
-                <a16:creationId xmlns:a16="http://schemas.microsoft.com/office/drawing/2014/main" id="{4C0A1B69-C252-4D9E-8CD9-26D17F8247C4}"/>
+                <a16:creationId xmlns:a16="http://schemas.microsoft.com/office/drawing/2014/main" id="{675E9A2B-93D6-4D88-95D8-C572B58B013F}"/>
               </a:ext>
             </a:extLst>
           </p:cNvPr>
-          <p:cNvSpPr txBox="1"/>
+          <p:cNvSpPr/>
           <p:nvPr/>
         </p:nvSpPr>
         <p:spPr>
           <a:xfrm>
-            <a:off x="7680157" y="4139591"/>
-            <a:ext cx="3946358" cy="369332"/>
+            <a:off x="3003259" y="4022976"/>
+            <a:ext cx="4320330" cy="602562"/>
           </a:xfrm>
-          <a:prstGeom prst="rect">
+          <a:prstGeom prst="rightArrow">
             <a:avLst/>
           </a:prstGeom>
-          <a:noFill/>
         </p:spPr>
+        <p:style>
+          <a:lnRef idx="2">
+            <a:schemeClr val="accent1">
+              <a:shade val="50000"/>
+            </a:schemeClr>
+          </a:lnRef>
+          <a:fillRef idx="1">
+            <a:schemeClr val="accent1"/>
+          </a:fillRef>
+          <a:effectRef idx="0">
+            <a:schemeClr val="accent1"/>
+          </a:effectRef>
+          <a:fontRef idx="minor">
+            <a:schemeClr val="lt1"/>
+          </a:fontRef>
+        </p:style>
         <p:txBody>
-          <a:bodyPr wrap="square" rtlCol="0">
-            <a:spAutoFit/>
-          </a:bodyPr>
+          <a:bodyPr rtlCol="0" anchor="ctr"/>
           <a:lstStyle/>
           <a:p>
+            <a:pPr algn="ctr"/>
+            <a:r>
+              <a:rPr lang="en-US" altLang="zh-CN" dirty="0" err="1"/>
+              <a:t>ars</a:t>
+            </a:r>
             <a:r>
               <a:rPr lang="en-US" altLang="zh-CN" dirty="0"/>
-              <a:t>CDN</a:t>
+              <a:t>/</a:t>
+            </a:r>
+            <a:r>
+              <a:rPr lang="en-US" altLang="zh-CN" dirty="0" err="1"/>
+              <a:t>cdn</a:t>
+            </a:r>
+            <a:r>
+              <a:rPr lang="en-US" altLang="zh-CN" dirty="0"/>
+              <a:t>-go</a:t>
             </a:r>
             <a:endParaRPr lang="zh-CN" altLang="en-US" dirty="0"/>
           </a:p>

--- a/可视化编程.pptx
+++ b/可视化编程.pptx
@@ -7169,7 +7169,7 @@
         <p:spPr>
           <a:xfrm>
             <a:off x="8556209" y="5618891"/>
-            <a:ext cx="1071127" cy="369332"/>
+            <a:ext cx="944489" cy="369332"/>
           </a:xfrm>
           <a:prstGeom prst="rect">
             <a:avLst/>
@@ -7186,12 +7186,6 @@
                 <a:latin typeface="Consolas" panose="020B0609020204030204" pitchFamily="49" charset="0"/>
               </a:rPr>
               <a:t>lib.js</a:t>
-            </a:r>
-            <a:r>
-              <a:rPr lang="en-US" altLang="zh-CN" dirty="0">
-                <a:latin typeface="Consolas" panose="020B0609020204030204" pitchFamily="49" charset="0"/>
-              </a:rPr>
-              <a:t>)</a:t>
             </a:r>
             <a:endParaRPr lang="en-US" altLang="zh-CN" b="0" dirty="0">
               <a:effectLst/>
@@ -30002,8 +29996,8 @@
         </p:nvSpPr>
         <p:spPr>
           <a:xfrm>
-            <a:off x="4770680" y="3981238"/>
-            <a:ext cx="1338829" cy="646331"/>
+            <a:off x="5001513" y="3981238"/>
+            <a:ext cx="1107996" cy="646331"/>
           </a:xfrm>
           <a:prstGeom prst="rect">
             <a:avLst/>
@@ -30018,7 +30012,7 @@
           <a:p>
             <a:pPr algn="r"/>
             <a:r>
-              <a:rPr kumimoji="1" lang="en-US" altLang="zh-CN" sz="3600" dirty="0">
+              <a:rPr kumimoji="1" lang="zh-CN" altLang="en-US" sz="3600" dirty="0">
                 <a:solidFill>
                   <a:schemeClr val="tx2">
                     <a:lumMod val="75000"/>
@@ -30029,19 +30023,8 @@
                 <a:cs typeface="DFPShaoNvW5-GB" charset="-122"/>
                 <a:sym typeface="Arial"/>
               </a:rPr>
-              <a:t>demo</a:t>
+              <a:t>原理</a:t>
             </a:r>
-            <a:endParaRPr kumimoji="1" lang="zh-CN" altLang="en-US" sz="3600" dirty="0">
-              <a:solidFill>
-                <a:schemeClr val="tx2">
-                  <a:lumMod val="75000"/>
-                </a:schemeClr>
-              </a:solidFill>
-              <a:latin typeface="Arial"/>
-              <a:ea typeface="微软雅黑"/>
-              <a:cs typeface="DFPShaoNvW5-GB" charset="-122"/>
-              <a:sym typeface="Arial"/>
-            </a:endParaRPr>
           </a:p>
         </p:txBody>
       </p:sp>
